--- a/1. Core Java 8/Day 4/Slides/7. More About Inheritance/more-about-inheritance-slides.pptx
+++ b/1. Core Java 8/Day 4/Slides/7. More About Inheritance/more-about-inheritance-slides.pptx
@@ -11214,7 +11214,7 @@
         <p:spPr>
           <a:xfrm>
             <a:off x="353059" y="1324355"/>
-            <a:ext cx="6273800" cy="1930400"/>
+            <a:ext cx="6273800" cy="1936115"/>
           </a:xfrm>
           <a:prstGeom prst="rect">
             <a:avLst/>
@@ -11333,6 +11333,9 @@
               <a:rPr dirty="0"/>
               <a:t>{ </a:t>
             </a:r>
+            <a:br>
+              <a:rPr dirty="0"/>
+            </a:br>
             <a:r>
               <a:rPr spc="-1190" dirty="0"/>
               <a:t> </a:t>
@@ -11538,7 +11541,7 @@
         <p:spPr>
           <a:xfrm>
             <a:off x="657859" y="3457955"/>
-            <a:ext cx="9017000" cy="2463800"/>
+            <a:ext cx="9017000" cy="2474595"/>
           </a:xfrm>
           <a:prstGeom prst="rect">
             <a:avLst/>
@@ -11598,6 +11601,30 @@
                 <a:cs typeface="Courier New" panose="02070309020205020404"/>
               </a:rPr>
               <a:t>{ </a:t>
+            </a:r>
+            <a:endParaRPr sz="2000" dirty="0">
+              <a:solidFill>
+                <a:srgbClr val="F2F2F2"/>
+              </a:solidFill>
+              <a:latin typeface="Courier New" panose="02070309020205020404"/>
+              <a:cs typeface="Courier New" panose="02070309020205020404"/>
+            </a:endParaRPr>
+          </a:p>
+          <a:p>
+            <a:pPr marL="316230" marR="5080" indent="-304165">
+              <a:lnSpc>
+                <a:spcPct val="175000"/>
+              </a:lnSpc>
+            </a:pPr>
+            <a:r>
+              <a:rPr lang="en-US" sz="2000" dirty="0">
+                <a:solidFill>
+                  <a:srgbClr val="F2F2F2"/>
+                </a:solidFill>
+                <a:latin typeface="Courier New" panose="02070309020205020404"/>
+                <a:cs typeface="Courier New" panose="02070309020205020404"/>
+              </a:rPr>
+              <a:t>	</a:t>
             </a:r>
             <a:r>
               <a:rPr sz="2000" spc="-1190" dirty="0">
@@ -11913,7 +11940,7 @@
         <p:spPr>
           <a:xfrm>
             <a:off x="353059" y="1324355"/>
-            <a:ext cx="6273800" cy="1930400"/>
+            <a:ext cx="6273800" cy="1936115"/>
           </a:xfrm>
           <a:prstGeom prst="rect">
             <a:avLst/>
@@ -12036,6 +12063,9 @@
               <a:rPr spc="-1190" dirty="0"/>
               <a:t> </a:t>
             </a:r>
+            <a:br>
+              <a:rPr spc="-1190" dirty="0"/>
+            </a:br>
             <a:r>
               <a:rPr spc="-5" dirty="0">
                 <a:solidFill>
@@ -12237,7 +12267,7 @@
         <p:spPr>
           <a:xfrm>
             <a:off x="657859" y="3457955"/>
-            <a:ext cx="9017000" cy="2463800"/>
+            <a:ext cx="9017000" cy="2474595"/>
           </a:xfrm>
           <a:prstGeom prst="rect">
             <a:avLst/>
@@ -12308,6 +12338,40 @@
               </a:rPr>
               <a:t> </a:t>
             </a:r>
+            <a:endParaRPr sz="2000" spc="-1190" dirty="0">
+              <a:solidFill>
+                <a:srgbClr val="F2F2F2"/>
+              </a:solidFill>
+              <a:latin typeface="Courier New" panose="02070309020205020404"/>
+              <a:cs typeface="Courier New" panose="02070309020205020404"/>
+            </a:endParaRPr>
+          </a:p>
+          <a:p>
+            <a:pPr marL="461010" marR="5080" indent="-448945">
+              <a:lnSpc>
+                <a:spcPct val="175000"/>
+              </a:lnSpc>
+            </a:pPr>
+            <a:r>
+              <a:rPr sz="2000" spc="-1190" dirty="0">
+                <a:solidFill>
+                  <a:srgbClr val="F2F2F2"/>
+                </a:solidFill>
+                <a:latin typeface="Courier New" panose="02070309020205020404"/>
+                <a:cs typeface="Courier New" panose="02070309020205020404"/>
+              </a:rPr>
+              <a:t> </a:t>
+            </a:r>
+            <a:r>
+              <a:rPr lang="en-US" sz="2000" spc="-1190" dirty="0">
+                <a:solidFill>
+                  <a:srgbClr val="F2F2F2"/>
+                </a:solidFill>
+                <a:latin typeface="Courier New" panose="02070309020205020404"/>
+                <a:cs typeface="Courier New" panose="02070309020205020404"/>
+              </a:rPr>
+              <a:t> 	</a:t>
+            </a:r>
             <a:r>
               <a:rPr sz="2000" spc="-5" dirty="0">
                 <a:solidFill>
@@ -12342,6 +12406,16 @@
                 <a:spcPts val="1800"/>
               </a:spcBef>
             </a:pPr>
+            <a:r>
+              <a:rPr lang="en-US" sz="2000" spc="-5" dirty="0">
+                <a:solidFill>
+                  <a:srgbClr val="F2F2F2"/>
+                </a:solidFill>
+                <a:latin typeface="Courier New" panose="02070309020205020404"/>
+                <a:cs typeface="Courier New" panose="02070309020205020404"/>
+              </a:rPr>
+              <a:t> </a:t>
+            </a:r>
             <a:r>
               <a:rPr sz="2000" spc="-5" dirty="0">
                 <a:solidFill>
@@ -12612,7 +12686,7 @@
         <p:spPr>
           <a:xfrm>
             <a:off x="657859" y="2391155"/>
-            <a:ext cx="6273800" cy="1397000"/>
+            <a:ext cx="6273800" cy="1397635"/>
           </a:xfrm>
           <a:prstGeom prst="rect">
             <a:avLst/>
@@ -12676,6 +12750,9 @@
               <a:rPr dirty="0"/>
               <a:t>{ </a:t>
             </a:r>
+            <a:br>
+              <a:rPr dirty="0"/>
+            </a:br>
             <a:r>
               <a:rPr spc="-1190" dirty="0"/>
               <a:t> </a:t>

--- a/1. Core Java 8/Day 4/Slides/7. More About Inheritance/more-about-inheritance-slides.pptx
+++ b/1. Core Java 8/Day 4/Slides/7. More About Inheritance/more-about-inheritance-slides.pptx
@@ -9531,7 +9531,7 @@
         </p:nvSpPr>
         <p:spPr>
           <a:xfrm>
-            <a:off x="5168898" y="1630171"/>
+            <a:off x="5181598" y="1600326"/>
             <a:ext cx="4623435" cy="3362960"/>
           </a:xfrm>
           <a:prstGeom prst="rect">
